--- a/Requirements/Presentations/GreenSheets Recommendations.pptx
+++ b/Requirements/Presentations/GreenSheets Recommendations.pptx
@@ -13,8 +13,8 @@
   <p:sldIdLst>
     <p:sldId id="386" r:id="rId5"/>
     <p:sldId id="453" r:id="rId6"/>
-    <p:sldId id="440" r:id="rId7"/>
-    <p:sldId id="441" r:id="rId8"/>
+    <p:sldId id="441" r:id="rId7"/>
+    <p:sldId id="440" r:id="rId8"/>
   </p:sldIdLst>
   <p:sldSz cx="9144000" cy="6858000" type="screen4x3"/>
   <p:notesSz cx="6858000" cy="9144000"/>
@@ -154,8 +154,8 @@
         </p14:section>
         <p14:section name="Untitled Section" id="{10D7A504-47FB-4918-A4D5-89B2468382E8}">
           <p14:sldIdLst>
+            <p14:sldId id="441"/>
             <p14:sldId id="440"/>
-            <p14:sldId id="441"/>
           </p14:sldIdLst>
         </p14:section>
       </p14:sectionLst>
@@ -346,7 +346,7 @@
               <a:pPr>
                 <a:defRPr/>
               </a:pPr>
-              <a:t>6/7/2016</a:t>
+              <a:t>6/7/16</a:t>
             </a:fld>
             <a:endParaRPr lang="en-US" dirty="0"/>
           </a:p>
@@ -1207,7 +1207,7 @@
     </p:spTree>
     <p:extLst>
       <p:ext uri="{BB962C8B-B14F-4D97-AF65-F5344CB8AC3E}">
-        <p14:creationId xmlns:p14="http://schemas.microsoft.com/office/powerpoint/2010/main" val="266745809"/>
+        <p14:creationId xmlns:p14="http://schemas.microsoft.com/office/powerpoint/2010/main" val="3107620245"/>
       </p:ext>
     </p:extLst>
   </p:cSld>
@@ -1297,7 +1297,7 @@
     </p:spTree>
     <p:extLst>
       <p:ext uri="{BB962C8B-B14F-4D97-AF65-F5344CB8AC3E}">
-        <p14:creationId xmlns:p14="http://schemas.microsoft.com/office/powerpoint/2010/main" val="3107620245"/>
+        <p14:creationId xmlns:p14="http://schemas.microsoft.com/office/powerpoint/2010/main" val="266745809"/>
       </p:ext>
     </p:extLst>
   </p:cSld>
@@ -4292,7 +4292,7 @@
           <a:p>
             <a:fld id="{9E23832F-A033-A54E-AB4C-FBC3D83AD4AA}" type="datetimeFigureOut">
               <a:rPr lang="en-US" smtClean="0"/>
-              <a:t>6/7/2016</a:t>
+              <a:t>6/7/16</a:t>
             </a:fld>
             <a:endParaRPr lang="en-US"/>
           </a:p>
@@ -4462,7 +4462,7 @@
           <a:p>
             <a:fld id="{9E23832F-A033-A54E-AB4C-FBC3D83AD4AA}" type="datetimeFigureOut">
               <a:rPr lang="en-US" smtClean="0"/>
-              <a:t>6/7/2016</a:t>
+              <a:t>6/7/16</a:t>
             </a:fld>
             <a:endParaRPr lang="en-US"/>
           </a:p>
@@ -8435,7 +8435,7 @@
               </a14:hiddenLine>
             </a:ext>
             <a:ext uri="{FAA26D3D-D897-4be2-8F04-BA451C77F1D7}">
-              <ma14:placeholderFlag xmlns:ma14="http://schemas.microsoft.com/office/mac/drawingml/2011/main" xmlns="" val="1"/>
+              <ma14:placeholderFlag xmlns:ma14="http://schemas.microsoft.com/office/mac/drawingml/2011/main" val="1"/>
             </a:ext>
           </a:extLst>
         </p:spPr>
@@ -8498,7 +8498,7 @@
               </a14:hiddenLine>
             </a:ext>
             <a:ext uri="{FAA26D3D-D897-4be2-8F04-BA451C77F1D7}">
-              <ma14:placeholderFlag xmlns:ma14="http://schemas.microsoft.com/office/mac/drawingml/2011/main" xmlns="" val="1"/>
+              <ma14:placeholderFlag xmlns:ma14="http://schemas.microsoft.com/office/mac/drawingml/2011/main" val="1"/>
             </a:ext>
           </a:extLst>
         </p:spPr>
@@ -9187,10 +9187,6 @@
               <a:rPr lang="en-US" altLang="en-US" sz="2400" dirty="0" smtClean="0"/>
               <a:t>ecommendations</a:t>
             </a:r>
-            <a:r>
-              <a:rPr lang="en-US" altLang="en-US" sz="2400" dirty="0" smtClean="0"/>
-              <a:t/>
-            </a:r>
             <a:br>
               <a:rPr lang="en-US" altLang="en-US" sz="2400" dirty="0" smtClean="0"/>
             </a:br>
@@ -9374,24 +9370,7 @@
                 <a:latin typeface="Arial" panose="020B0604020202020204" pitchFamily="34" charset="0"/>
                 <a:cs typeface="Arial" panose="020B0604020202020204" pitchFamily="34" charset="0"/>
               </a:rPr>
-              <a:t>roject </a:t>
-            </a:r>
-            <a:r>
-              <a:rPr lang="en-US" sz="2400" b="1" kern="1200" dirty="0" smtClean="0">
-                <a:solidFill>
-                  <a:srgbClr val="123E57"/>
-                </a:solidFill>
-                <a:effectLst>
-                  <a:outerShdw blurRad="38100" dist="38100" dir="2700000" algn="tl">
-                    <a:srgbClr val="000000">
-                      <a:alpha val="43137"/>
-                    </a:srgbClr>
-                  </a:outerShdw>
-                </a:effectLst>
-                <a:latin typeface="Arial" panose="020B0604020202020204" pitchFamily="34" charset="0"/>
-                <a:cs typeface="Arial" panose="020B0604020202020204" pitchFamily="34" charset="0"/>
-              </a:rPr>
-              <a:t>scope</a:t>
+              <a:t>roject scope</a:t>
             </a:r>
             <a:endParaRPr lang="en-US" sz="2400" b="1" kern="1200" dirty="0">
               <a:solidFill>
@@ -9432,15 +9411,7 @@
           <a:p>
             <a:r>
               <a:rPr lang="en-US" sz="1600" b="1" dirty="0" smtClean="0"/>
-              <a:t>Fix </a:t>
-            </a:r>
-            <a:r>
-              <a:rPr lang="en-US" sz="1600" b="1" dirty="0" smtClean="0"/>
-              <a:t>recurring production </a:t>
-            </a:r>
-            <a:r>
-              <a:rPr lang="en-US" sz="1600" b="1" dirty="0" smtClean="0"/>
-              <a:t>issues</a:t>
+              <a:t>Fix recurring production issues</a:t>
             </a:r>
           </a:p>
           <a:p>
@@ -9495,11 +9466,7 @@
           <a:p>
             <a:r>
               <a:rPr lang="en-US" sz="1600" b="1" dirty="0" smtClean="0"/>
-              <a:t>Accommodate </a:t>
-            </a:r>
-            <a:r>
-              <a:rPr lang="en-US" sz="1600" b="1" dirty="0" smtClean="0"/>
-              <a:t>additional business needs</a:t>
+              <a:t>Accommodate additional business needs</a:t>
             </a:r>
             <a:r>
               <a:rPr lang="en-US" sz="1600" dirty="0" smtClean="0"/>
@@ -9770,6 +9737,197 @@
                 </a:effectLst>
                 <a:latin typeface="+mn-lt"/>
               </a:rPr>
+              <a:t>Possible </a:t>
+            </a:r>
+            <a:r>
+              <a:rPr lang="en-US" b="1" dirty="0">
+                <a:effectLst>
+                  <a:outerShdw blurRad="38100" dist="38100" dir="2700000" algn="tl">
+                    <a:srgbClr val="000000">
+                      <a:alpha val="43137"/>
+                    </a:srgbClr>
+                  </a:outerShdw>
+                </a:effectLst>
+                <a:latin typeface="+mn-lt"/>
+              </a:rPr>
+              <a:t>project </a:t>
+            </a:r>
+            <a:r>
+              <a:rPr lang="en-US" b="1" dirty="0" smtClean="0">
+                <a:effectLst>
+                  <a:outerShdw blurRad="38100" dist="38100" dir="2700000" algn="tl">
+                    <a:srgbClr val="000000">
+                      <a:alpha val="43137"/>
+                    </a:srgbClr>
+                  </a:outerShdw>
+                </a:effectLst>
+                <a:latin typeface="+mn-lt"/>
+              </a:rPr>
+              <a:t>chart and resource allocation</a:t>
+            </a:r>
+            <a:endParaRPr lang="en-US" b="1" dirty="0">
+              <a:effectLst>
+                <a:outerShdw blurRad="38100" dist="38100" dir="2700000" algn="tl">
+                  <a:srgbClr val="000000">
+                    <a:alpha val="43137"/>
+                  </a:srgbClr>
+                </a:outerShdw>
+              </a:effectLst>
+              <a:latin typeface="+mn-lt"/>
+              <a:cs typeface="Arial" panose="020B0604020202020204" pitchFamily="34" charset="0"/>
+            </a:endParaRPr>
+          </a:p>
+        </p:txBody>
+      </p:sp>
+      <p:sp>
+        <p:nvSpPr>
+          <p:cNvPr id="3" name="Content Placeholder 2"/>
+          <p:cNvSpPr>
+            <a:spLocks noGrp="1"/>
+          </p:cNvSpPr>
+          <p:nvPr>
+            <p:ph sz="quarter" idx="11"/>
+          </p:nvPr>
+        </p:nvSpPr>
+        <p:spPr>
+          <a:xfrm>
+            <a:off x="457200" y="4419600"/>
+            <a:ext cx="8305800" cy="1981200"/>
+          </a:xfrm>
+        </p:spPr>
+        <p:txBody>
+          <a:bodyPr/>
+          <a:lstStyle/>
+          <a:p>
+            <a:pPr marL="0" indent="0">
+              <a:lnSpc>
+                <a:spcPct val="150000"/>
+              </a:lnSpc>
+              <a:buNone/>
+            </a:pPr>
+            <a:r>
+              <a:rPr lang="en-US" dirty="0" smtClean="0">
+                <a:latin typeface="Arial" panose="020B0604020202020204" pitchFamily="34" charset="0"/>
+                <a:cs typeface="Arial" panose="020B0604020202020204" pitchFamily="34" charset="0"/>
+              </a:rPr>
+              <a:t>Notes</a:t>
+            </a:r>
+            <a:endParaRPr lang="en-US" dirty="0" smtClean="0">
+              <a:latin typeface="Arial" panose="020B0604020202020204" pitchFamily="34" charset="0"/>
+              <a:cs typeface="Arial" panose="020B0604020202020204" pitchFamily="34" charset="0"/>
+            </a:endParaRPr>
+          </a:p>
+          <a:p>
+            <a:r>
+              <a:rPr lang="en-US" sz="1600" dirty="0" smtClean="0">
+                <a:latin typeface="Arial" panose="020B0604020202020204" pitchFamily="34" charset="0"/>
+                <a:cs typeface="Arial" panose="020B0604020202020204" pitchFamily="34" charset="0"/>
+              </a:rPr>
+              <a:t>The resource allocation indicates optimal number of developers working on a project</a:t>
+            </a:r>
+          </a:p>
+          <a:p>
+            <a:r>
+              <a:rPr lang="en-US" sz="1600" dirty="0" smtClean="0"/>
+              <a:t>Project duration can be shortened by adding additional QA and Dev resource to the release 3</a:t>
+            </a:r>
+          </a:p>
+          <a:p>
+            <a:r>
+              <a:rPr lang="en-US" sz="1600" dirty="0" smtClean="0"/>
+              <a:t>Release 4 is optional if OGA use other tools for reporting purposes</a:t>
+            </a:r>
+            <a:endParaRPr lang="en-US" sz="1600" dirty="0"/>
+          </a:p>
+        </p:txBody>
+      </p:sp>
+      <p:pic>
+        <p:nvPicPr>
+          <p:cNvPr id="7" name="Picture 6"/>
+          <p:cNvPicPr>
+            <a:picLocks noChangeAspect="1"/>
+          </p:cNvPicPr>
+          <p:nvPr/>
+        </p:nvPicPr>
+        <p:blipFill>
+          <a:blip r:embed="rId3"/>
+          <a:stretch>
+            <a:fillRect/>
+          </a:stretch>
+        </p:blipFill>
+        <p:spPr>
+          <a:xfrm>
+            <a:off x="265176" y="1090630"/>
+            <a:ext cx="8650224" cy="3252770"/>
+          </a:xfrm>
+          <a:prstGeom prst="rect">
+            <a:avLst/>
+          </a:prstGeom>
+        </p:spPr>
+      </p:pic>
+    </p:spTree>
+    <p:extLst>
+      <p:ext uri="{BB962C8B-B14F-4D97-AF65-F5344CB8AC3E}">
+        <p14:creationId xmlns:p14="http://schemas.microsoft.com/office/powerpoint/2010/main" val="36453457"/>
+      </p:ext>
+    </p:extLst>
+  </p:cSld>
+  <p:clrMapOvr>
+    <a:masterClrMapping/>
+  </p:clrMapOvr>
+  <p:timing>
+    <p:tnLst>
+      <p:par>
+        <p:cTn id="1" dur="indefinite" restart="never" nodeType="tmRoot"/>
+      </p:par>
+    </p:tnLst>
+  </p:timing>
+</p:sld>
+</file>
+
+<file path=ppt/slides/slide4.xml><?xml version="1.0" encoding="utf-8"?>
+<p:sld xmlns:a="http://schemas.openxmlformats.org/drawingml/2006/main" xmlns:r="http://schemas.openxmlformats.org/officeDocument/2006/relationships" xmlns:p="http://schemas.openxmlformats.org/presentationml/2006/main">
+  <p:cSld>
+    <p:spTree>
+      <p:nvGrpSpPr>
+        <p:cNvPr id="1" name=""/>
+        <p:cNvGrpSpPr/>
+        <p:nvPr/>
+      </p:nvGrpSpPr>
+      <p:grpSpPr>
+        <a:xfrm>
+          <a:off x="0" y="0"/>
+          <a:ext cx="0" cy="0"/>
+          <a:chOff x="0" y="0"/>
+          <a:chExt cx="0" cy="0"/>
+        </a:xfrm>
+      </p:grpSpPr>
+      <p:sp>
+        <p:nvSpPr>
+          <p:cNvPr id="2" name="Title 1"/>
+          <p:cNvSpPr>
+            <a:spLocks noGrp="1"/>
+          </p:cNvSpPr>
+          <p:nvPr>
+            <p:ph type="title"/>
+          </p:nvPr>
+        </p:nvSpPr>
+        <p:spPr/>
+        <p:txBody>
+          <a:bodyPr/>
+          <a:lstStyle/>
+          <a:p>
+            <a:r>
+              <a:rPr lang="en-US" b="1" dirty="0" smtClean="0">
+                <a:effectLst>
+                  <a:outerShdw blurRad="38100" dist="38100" dir="2700000" algn="tl">
+                    <a:srgbClr val="000000">
+                      <a:alpha val="43137"/>
+                    </a:srgbClr>
+                  </a:outerShdw>
+                </a:effectLst>
+                <a:latin typeface="+mn-lt"/>
+              </a:rPr>
               <a:t>High </a:t>
             </a:r>
             <a:r>
@@ -9809,14 +9967,14 @@
             <p:ph sz="quarter" idx="11"/>
             <p:extLst>
               <p:ext uri="{D42A27DB-BD31-4B8C-83A1-F6EECF244321}">
-                <p14:modId xmlns:p14="http://schemas.microsoft.com/office/powerpoint/2010/main" val="3685809581"/>
+                <p14:modId xmlns:p14="http://schemas.microsoft.com/office/powerpoint/2010/main" val="131784247"/>
               </p:ext>
             </p:extLst>
           </p:nvPr>
         </p:nvGraphicFramePr>
         <p:xfrm>
-          <a:off x="457200" y="990601"/>
-          <a:ext cx="8202168" cy="5511340"/>
+          <a:off x="472191" y="1219200"/>
+          <a:ext cx="8202168" cy="4798852"/>
         </p:xfrm>
         <a:graphic>
           <a:graphicData uri="http://schemas.openxmlformats.org/drawingml/2006/table">
@@ -9828,26 +9986,26 @@
                 <a:gridCol w="394335">
                   <a:extLst>
                     <a:ext uri="{9D8B030D-6E8A-4147-A177-3AD203B41FA5}">
-                      <a16:colId xmlns:a16="http://schemas.microsoft.com/office/drawing/2014/main" val="380828174"/>
+                      <a16:colId xmlns:a16="http://schemas.microsoft.com/office/drawing/2014/main" xmlns="" val="380828174"/>
                     </a:ext>
                   </a:extLst>
                 </a:gridCol>
-                <a:gridCol w="1340739">
+                <a:gridCol w="1586865">
                   <a:extLst>
                     <a:ext uri="{9D8B030D-6E8A-4147-A177-3AD203B41FA5}">
-                      <a16:colId xmlns:a16="http://schemas.microsoft.com/office/drawing/2014/main" val="1351816480"/>
+                      <a16:colId xmlns:a16="http://schemas.microsoft.com/office/drawing/2014/main" xmlns="" val="1351816480"/>
                     </a:ext>
                   </a:extLst>
                 </a:gridCol>
-                <a:gridCol w="6467094">
+                <a:gridCol w="6220968">
                   <a:extLst>
                     <a:ext uri="{9D8B030D-6E8A-4147-A177-3AD203B41FA5}">
-                      <a16:colId xmlns:a16="http://schemas.microsoft.com/office/drawing/2014/main" val="287736014"/>
+                      <a16:colId xmlns:a16="http://schemas.microsoft.com/office/drawing/2014/main" xmlns="" val="287736014"/>
                     </a:ext>
                   </a:extLst>
                 </a:gridCol>
               </a:tblGrid>
-              <a:tr h="436579">
+              <a:tr h="390556">
                 <a:tc>
                   <a:txBody>
                     <a:bodyPr/>
@@ -9869,7 +10027,7 @@
                     <a:p>
                       <a:r>
                         <a:rPr lang="en-US" sz="1200" dirty="0" smtClean="0"/>
-                        <a:t>Recommendation</a:t>
+                        <a:t>Recommendations</a:t>
                       </a:r>
                       <a:endParaRPr lang="en-US" sz="1200" dirty="0"/>
                     </a:p>
@@ -9892,11 +10050,11 @@
                 </a:tc>
                 <a:extLst>
                   <a:ext uri="{0D108BD9-81ED-4DB2-BD59-A6C34878D82A}">
-                    <a16:rowId xmlns:a16="http://schemas.microsoft.com/office/drawing/2014/main" val="1140275068"/>
+                    <a16:rowId xmlns:a16="http://schemas.microsoft.com/office/drawing/2014/main" xmlns="" val="1140275068"/>
                   </a:ext>
                 </a:extLst>
               </a:tr>
-              <a:tr h="814947">
+              <a:tr h="822423">
                 <a:tc>
                   <a:txBody>
                     <a:bodyPr/>
@@ -9918,7 +10076,15 @@
                     <a:p>
                       <a:r>
                         <a:rPr lang="en-US" sz="1000" dirty="0" smtClean="0"/>
-                        <a:t>Upgrade technology stack and modify database</a:t>
+                        <a:t>Non</a:t>
+                      </a:r>
+                      <a:r>
+                        <a:rPr lang="en-US" sz="1000" baseline="0" dirty="0" smtClean="0"/>
+                        <a:t> UI </a:t>
+                      </a:r>
+                      <a:r>
+                        <a:rPr lang="en-US" sz="1000" dirty="0" smtClean="0"/>
+                        <a:t>reporting</a:t>
                       </a:r>
                       <a:endParaRPr lang="en-US" sz="1000" dirty="0"/>
                     </a:p>
@@ -9931,6 +10097,86 @@
                     <a:lstStyle/>
                     <a:p>
                       <a:pPr marL="171450" indent="-171450">
+                        <a:buFont typeface="Arial" charset="0"/>
+                        <a:buChar char="•"/>
+                      </a:pPr>
+                      <a:r>
+                        <a:rPr lang="en-US" sz="1000" kern="1200" dirty="0" smtClean="0">
+                          <a:solidFill>
+                            <a:schemeClr val="dk1"/>
+                          </a:solidFill>
+                          <a:latin typeface="+mn-lt"/>
+                          <a:ea typeface="+mn-ea"/>
+                          <a:cs typeface="+mn-cs"/>
+                        </a:rPr>
+                        <a:t>Modify </a:t>
+                      </a:r>
+                      <a:r>
+                        <a:rPr lang="en-US" sz="1000" kern="1200" dirty="0" err="1" smtClean="0">
+                          <a:solidFill>
+                            <a:schemeClr val="dk1"/>
+                          </a:solidFill>
+                          <a:latin typeface="+mn-lt"/>
+                          <a:ea typeface="+mn-ea"/>
+                          <a:cs typeface="+mn-cs"/>
+                        </a:rPr>
+                        <a:t>Greensheets</a:t>
+                      </a:r>
+                      <a:r>
+                        <a:rPr lang="en-US" sz="1000" kern="1200" dirty="0" smtClean="0">
+                          <a:solidFill>
+                            <a:schemeClr val="dk1"/>
+                          </a:solidFill>
+                          <a:latin typeface="+mn-lt"/>
+                          <a:ea typeface="+mn-ea"/>
+                          <a:cs typeface="+mn-cs"/>
+                        </a:rPr>
+                        <a:t> database so it</a:t>
+                      </a:r>
+                      <a:r>
+                        <a:rPr lang="en-US" sz="1000" kern="1200" baseline="0" dirty="0" smtClean="0">
+                          <a:solidFill>
+                            <a:schemeClr val="dk1"/>
+                          </a:solidFill>
+                          <a:latin typeface="+mn-lt"/>
+                          <a:ea typeface="+mn-ea"/>
+                          <a:cs typeface="+mn-cs"/>
+                        </a:rPr>
+                        <a:t> </a:t>
+                      </a:r>
+                      <a:r>
+                        <a:rPr lang="en-US" sz="1000" kern="1200" dirty="0" smtClean="0">
+                          <a:solidFill>
+                            <a:schemeClr val="dk1"/>
+                          </a:solidFill>
+                          <a:latin typeface="+mn-lt"/>
+                          <a:ea typeface="+mn-ea"/>
+                          <a:cs typeface="+mn-cs"/>
+                        </a:rPr>
+                        <a:t>will </a:t>
+                      </a:r>
+                      <a:r>
+                        <a:rPr lang="en-US" sz="1000" kern="1200" dirty="0" smtClean="0">
+                          <a:solidFill>
+                            <a:schemeClr val="dk1"/>
+                          </a:solidFill>
+                          <a:latin typeface="+mn-lt"/>
+                          <a:ea typeface="+mn-ea"/>
+                          <a:cs typeface="+mn-cs"/>
+                        </a:rPr>
+                        <a:t>allow run ad-hoc reports on statistics related to answers to a specific question on demand. </a:t>
+                      </a:r>
+                      <a:endParaRPr lang="en-US" sz="1000" kern="1200" dirty="0" smtClean="0">
+                        <a:solidFill>
+                          <a:schemeClr val="dk1"/>
+                        </a:solidFill>
+                        <a:latin typeface="+mn-lt"/>
+                        <a:ea typeface="+mn-ea"/>
+                        <a:cs typeface="+mn-cs"/>
+                      </a:endParaRPr>
+                    </a:p>
+                    <a:p>
+                      <a:pPr marL="628650" lvl="1" indent="-171450">
                         <a:buFont typeface="Arial" panose="020B0604020202020204" pitchFamily="34" charset="0"/>
                         <a:buChar char="•"/>
                       </a:pPr>
@@ -9947,7 +10193,7 @@
                       </a:r>
                     </a:p>
                     <a:p>
-                      <a:pPr marL="171450" indent="-171450">
+                      <a:pPr marL="628650" lvl="1" indent="-171450">
                         <a:buFont typeface="Arial" panose="020B0604020202020204" pitchFamily="34" charset="0"/>
                         <a:buChar char="•"/>
                       </a:pPr>
@@ -9963,6 +10209,62 @@
                         <a:t>Database migration</a:t>
                       </a:r>
                     </a:p>
+                    <a:p>
+                      <a:pPr marL="171450" indent="-171450">
+                        <a:buFont typeface="Arial" charset="0"/>
+                        <a:buChar char="•"/>
+                      </a:pPr>
+                      <a:endParaRPr lang="en-US" sz="1000" kern="1200" dirty="0">
+                        <a:solidFill>
+                          <a:schemeClr val="dk1"/>
+                        </a:solidFill>
+                        <a:latin typeface="+mn-lt"/>
+                        <a:ea typeface="+mn-ea"/>
+                        <a:cs typeface="+mn-cs"/>
+                      </a:endParaRPr>
+                    </a:p>
+                  </a:txBody>
+                  <a:tcPr/>
+                </a:tc>
+                <a:extLst>
+                  <a:ext uri="{0D108BD9-81ED-4DB2-BD59-A6C34878D82A}">
+                    <a16:rowId xmlns:a16="http://schemas.microsoft.com/office/drawing/2014/main" xmlns="" val="968029505"/>
+                  </a:ext>
+                </a:extLst>
+              </a:tr>
+              <a:tr h="528701">
+                <a:tc>
+                  <a:txBody>
+                    <a:bodyPr/>
+                    <a:lstStyle/>
+                    <a:p>
+                      <a:r>
+                        <a:rPr lang="en-US" sz="1000" dirty="0" smtClean="0"/>
+                        <a:t>2</a:t>
+                      </a:r>
+                      <a:endParaRPr lang="en-US" sz="1000" dirty="0"/>
+                    </a:p>
+                  </a:txBody>
+                  <a:tcPr/>
+                </a:tc>
+                <a:tc>
+                  <a:txBody>
+                    <a:bodyPr/>
+                    <a:lstStyle/>
+                    <a:p>
+                      <a:r>
+                        <a:rPr lang="en-US" sz="1000" dirty="0" smtClean="0"/>
+                        <a:t>Upgrade technology stack</a:t>
+                      </a:r>
+                      <a:endParaRPr lang="en-US" sz="1000" dirty="0"/>
+                    </a:p>
+                  </a:txBody>
+                  <a:tcPr/>
+                </a:tc>
+                <a:tc>
+                  <a:txBody>
+                    <a:bodyPr/>
+                    <a:lstStyle/>
                     <a:p>
                       <a:pPr marL="171450" indent="-171450">
                         <a:buFont typeface="Arial" panose="020B0604020202020204" pitchFamily="34" charset="0"/>
@@ -10033,84 +10335,8 @@
                   </a:txBody>
                   <a:tcPr/>
                 </a:tc>
-                <a:extLst>
-                  <a:ext uri="{0D108BD9-81ED-4DB2-BD59-A6C34878D82A}">
-                    <a16:rowId xmlns:a16="http://schemas.microsoft.com/office/drawing/2014/main" val="241101412"/>
-                  </a:ext>
-                </a:extLst>
               </a:tr>
-              <a:tr h="430751">
-                <a:tc>
-                  <a:txBody>
-                    <a:bodyPr/>
-                    <a:lstStyle/>
-                    <a:p>
-                      <a:r>
-                        <a:rPr lang="en-US" sz="1000" dirty="0" smtClean="0"/>
-                        <a:t>2</a:t>
-                      </a:r>
-                      <a:endParaRPr lang="en-US" sz="1000" dirty="0"/>
-                    </a:p>
-                  </a:txBody>
-                  <a:tcPr/>
-                </a:tc>
-                <a:tc>
-                  <a:txBody>
-                    <a:bodyPr/>
-                    <a:lstStyle/>
-                    <a:p>
-                      <a:r>
-                        <a:rPr lang="en-US" sz="1000" dirty="0" smtClean="0"/>
-                        <a:t>Non</a:t>
-                      </a:r>
-                      <a:r>
-                        <a:rPr lang="en-US" sz="1000" baseline="0" dirty="0" smtClean="0"/>
-                        <a:t> UI </a:t>
-                      </a:r>
-                      <a:r>
-                        <a:rPr lang="en-US" sz="1000" dirty="0" smtClean="0"/>
-                        <a:t>reporting</a:t>
-                      </a:r>
-                      <a:endParaRPr lang="en-US" sz="1000" dirty="0"/>
-                    </a:p>
-                  </a:txBody>
-                  <a:tcPr/>
-                </a:tc>
-                <a:tc>
-                  <a:txBody>
-                    <a:bodyPr/>
-                    <a:lstStyle/>
-                    <a:p>
-                      <a:r>
-                        <a:rPr lang="en-US" sz="1000" kern="1200" dirty="0" smtClean="0">
-                          <a:solidFill>
-                            <a:schemeClr val="dk1"/>
-                          </a:solidFill>
-                          <a:latin typeface="+mn-lt"/>
-                          <a:ea typeface="+mn-ea"/>
-                          <a:cs typeface="+mn-cs"/>
-                        </a:rPr>
-                        <a:t>Create SQL queries that will allow run ad-hoc reports on statistics related to answers to a specific question on demand. </a:t>
-                      </a:r>
-                      <a:endParaRPr lang="en-US" sz="1000" kern="1200" dirty="0">
-                        <a:solidFill>
-                          <a:schemeClr val="dk1"/>
-                        </a:solidFill>
-                        <a:latin typeface="+mn-lt"/>
-                        <a:ea typeface="+mn-ea"/>
-                        <a:cs typeface="+mn-cs"/>
-                      </a:endParaRPr>
-                    </a:p>
-                  </a:txBody>
-                  <a:tcPr/>
-                </a:tc>
-                <a:extLst>
-                  <a:ext uri="{0D108BD9-81ED-4DB2-BD59-A6C34878D82A}">
-                    <a16:rowId xmlns:a16="http://schemas.microsoft.com/office/drawing/2014/main" val="968029505"/>
-                  </a:ext>
-                </a:extLst>
-              </a:tr>
-              <a:tr h="1106000">
+              <a:tr h="1116146">
                 <a:tc>
                   <a:txBody>
                     <a:bodyPr/>
@@ -10308,11 +10534,11 @@
                 </a:tc>
                 <a:extLst>
                   <a:ext uri="{0D108BD9-81ED-4DB2-BD59-A6C34878D82A}">
-                    <a16:rowId xmlns:a16="http://schemas.microsoft.com/office/drawing/2014/main" val="2143253950"/>
+                    <a16:rowId xmlns:a16="http://schemas.microsoft.com/office/drawing/2014/main" xmlns="" val="2143253950"/>
                   </a:ext>
                 </a:extLst>
               </a:tr>
-              <a:tr h="1397053">
+              <a:tr h="820397">
                 <a:tc>
                   <a:txBody>
                     <a:bodyPr/>
@@ -10334,11 +10560,7 @@
                     <a:p>
                       <a:r>
                         <a:rPr lang="en-US" sz="1000" dirty="0" smtClean="0"/>
-                        <a:t>Roles’ </a:t>
-                      </a:r>
-                      <a:r>
-                        <a:rPr lang="en-US" sz="1000" dirty="0" smtClean="0"/>
-                        <a:t>re-design</a:t>
+                        <a:t>Roles’ re-design</a:t>
                       </a:r>
                       <a:endParaRPr lang="en-US" sz="1000" dirty="0"/>
                     </a:p>
@@ -10363,18 +10585,7 @@
                           <a:ea typeface="+mn-ea"/>
                           <a:cs typeface="+mn-cs"/>
                         </a:rPr>
-                        <a:t>Diversity supplement director – user (PD/PA) with this privilege can see only diversity supplements grants (grants that have the MB_MINORITY_FLAG set to ‘Y). In production there</a:t>
-                      </a:r>
-                      <a:r>
-                        <a:rPr lang="en-US" sz="1000" kern="1200" baseline="0" dirty="0" smtClean="0">
-                          <a:solidFill>
-                            <a:schemeClr val="dk1"/>
-                          </a:solidFill>
-                          <a:latin typeface="+mn-lt"/>
-                          <a:ea typeface="+mn-ea"/>
-                          <a:cs typeface="+mn-cs"/>
-                        </a:rPr>
-                        <a:t> is only </a:t>
+                        <a:t>Diversity supplement </a:t>
                       </a:r>
                       <a:r>
                         <a:rPr lang="en-US" sz="1000" kern="1200" dirty="0" smtClean="0">
@@ -10385,41 +10596,16 @@
                           <a:ea typeface="+mn-ea"/>
                           <a:cs typeface="+mn-cs"/>
                         </a:rPr>
-                        <a:t>one user (</a:t>
+                        <a:t>director</a:t>
                       </a:r>
-                      <a:r>
-                        <a:rPr lang="en-US" sz="1000" b="1" kern="1200" dirty="0" err="1" smtClean="0">
-                          <a:solidFill>
-                            <a:schemeClr val="dk1"/>
-                          </a:solidFill>
-                          <a:latin typeface="+mn-lt"/>
-                          <a:ea typeface="+mn-ea"/>
-                          <a:cs typeface="+mn-cs"/>
-                        </a:rPr>
-                        <a:t>Ogunbiyi</a:t>
-                      </a:r>
-                      <a:r>
-                        <a:rPr lang="en-US" sz="1000" b="1" kern="1200" dirty="0" smtClean="0">
-                          <a:solidFill>
-                            <a:schemeClr val="dk1"/>
-                          </a:solidFill>
-                          <a:latin typeface="+mn-lt"/>
-                          <a:ea typeface="+mn-ea"/>
-                          <a:cs typeface="+mn-cs"/>
-                        </a:rPr>
-                        <a:t>, Peter</a:t>
-                      </a:r>
-                      <a:r>
-                        <a:rPr lang="en-US" sz="1000" kern="1200" dirty="0" smtClean="0">
-                          <a:solidFill>
-                            <a:schemeClr val="dk1"/>
-                          </a:solidFill>
-                          <a:latin typeface="+mn-lt"/>
-                          <a:ea typeface="+mn-ea"/>
-                          <a:cs typeface="+mn-cs"/>
-                        </a:rPr>
-                        <a:t>) with this privilege. Is this role still needed? </a:t>
-                      </a:r>
+                      <a:endParaRPr lang="en-US" sz="1000" kern="1200" dirty="0" smtClean="0">
+                        <a:solidFill>
+                          <a:schemeClr val="dk1"/>
+                        </a:solidFill>
+                        <a:latin typeface="+mn-lt"/>
+                        <a:ea typeface="+mn-ea"/>
+                        <a:cs typeface="+mn-cs"/>
+                      </a:endParaRPr>
                     </a:p>
                     <a:p>
                       <a:pPr marL="171450" indent="-171450">
@@ -10428,84 +10614,11 @@
                       </a:pPr>
                       <a:r>
                         <a:rPr lang="en-US" sz="1000" dirty="0" smtClean="0"/>
-                        <a:t>Guest user - </a:t>
+                        <a:t>Guest </a:t>
                       </a:r>
                       <a:r>
-                        <a:rPr lang="en-US" sz="1000" kern="1200" dirty="0" smtClean="0">
-                          <a:solidFill>
-                            <a:schemeClr val="dk1"/>
-                          </a:solidFill>
-                          <a:latin typeface="+mn-lt"/>
-                          <a:ea typeface="+mn-ea"/>
-                          <a:cs typeface="+mn-cs"/>
-                        </a:rPr>
-                        <a:t>Guest users are users who have valid NCI user accounts and thus are able to access the system, but they do not have any of the other roles specified for </a:t>
-                      </a:r>
-                      <a:r>
-                        <a:rPr lang="en-US" sz="1000" kern="1200" dirty="0" err="1" smtClean="0">
-                          <a:solidFill>
-                            <a:schemeClr val="dk1"/>
-                          </a:solidFill>
-                          <a:latin typeface="+mn-lt"/>
-                          <a:ea typeface="+mn-ea"/>
-                          <a:cs typeface="+mn-cs"/>
-                        </a:rPr>
-                        <a:t>Greensheets</a:t>
-                      </a:r>
-                      <a:r>
-                        <a:rPr lang="en-US" sz="1000" kern="1200" dirty="0" smtClean="0">
-                          <a:solidFill>
-                            <a:schemeClr val="dk1"/>
-                          </a:solidFill>
-                          <a:latin typeface="+mn-lt"/>
-                          <a:ea typeface="+mn-ea"/>
-                          <a:cs typeface="+mn-cs"/>
-                        </a:rPr>
-                        <a:t> system. Guest user sees all grants and all assigned </a:t>
-                      </a:r>
-                      <a:r>
-                        <a:rPr lang="en-US" sz="1000" kern="1200" dirty="0" err="1" smtClean="0">
-                          <a:solidFill>
-                            <a:schemeClr val="dk1"/>
-                          </a:solidFill>
-                          <a:latin typeface="+mn-lt"/>
-                          <a:ea typeface="+mn-ea"/>
-                          <a:cs typeface="+mn-cs"/>
-                        </a:rPr>
-                        <a:t>greensheets</a:t>
-                      </a:r>
-                      <a:r>
-                        <a:rPr lang="en-US" sz="1000" kern="1200" dirty="0" smtClean="0">
-                          <a:solidFill>
-                            <a:schemeClr val="dk1"/>
-                          </a:solidFill>
-                          <a:latin typeface="+mn-lt"/>
-                          <a:ea typeface="+mn-ea"/>
-                          <a:cs typeface="+mn-cs"/>
-                        </a:rPr>
-                        <a:t> in read-only mode. </a:t>
-                      </a:r>
-                      <a:r>
-                        <a:rPr lang="en-US" sz="1000" kern="1200" baseline="0" dirty="0" smtClean="0">
-                          <a:solidFill>
-                            <a:schemeClr val="dk1"/>
-                          </a:solidFill>
-                          <a:latin typeface="+mn-lt"/>
-                          <a:ea typeface="+mn-ea"/>
-                          <a:cs typeface="+mn-cs"/>
-                        </a:rPr>
-                        <a:t>I</a:t>
-                      </a:r>
-                      <a:r>
-                        <a:rPr lang="en-US" sz="1000" kern="1200" dirty="0" smtClean="0">
-                          <a:solidFill>
-                            <a:schemeClr val="dk1"/>
-                          </a:solidFill>
-                          <a:latin typeface="+mn-lt"/>
-                          <a:ea typeface="+mn-ea"/>
-                          <a:cs typeface="+mn-cs"/>
-                        </a:rPr>
-                        <a:t>s this role needed and why?</a:t>
+                        <a:rPr lang="en-US" sz="1000" dirty="0" smtClean="0"/>
+                        <a:t>user</a:t>
                       </a:r>
                     </a:p>
                     <a:p>
@@ -10526,7 +10639,7 @@
                           <a:ea typeface="+mn-ea"/>
                           <a:cs typeface="+mn-cs"/>
                         </a:rPr>
-                        <a:t>User - super user role has been created in the past for troubleshooting purposes. Need to find a way to perform troubleshooting in PRODUCTION without actually assuming the user’s identity.</a:t>
+                        <a:t>User</a:t>
                       </a:r>
                     </a:p>
                     <a:p>
@@ -10543,7 +10656,18 @@
                           <a:ea typeface="+mn-ea"/>
                           <a:cs typeface="+mn-cs"/>
                         </a:rPr>
-                        <a:t>Possible changes to roles related to promotion/rejection of draft templates</a:t>
+                        <a:t>Possible </a:t>
+                      </a:r>
+                      <a:r>
+                        <a:rPr lang="en-US" sz="1000" kern="1200" dirty="0" smtClean="0">
+                          <a:solidFill>
+                            <a:schemeClr val="dk1"/>
+                          </a:solidFill>
+                          <a:latin typeface="+mn-lt"/>
+                          <a:ea typeface="+mn-ea"/>
+                          <a:cs typeface="+mn-cs"/>
+                        </a:rPr>
+                        <a:t>changes to roles related to promotion/rejection of draft templates</a:t>
                       </a:r>
                       <a:endParaRPr lang="en-US" sz="1000" kern="1200" dirty="0">
                         <a:solidFill>
@@ -10559,11 +10683,11 @@
                 </a:tc>
                 <a:extLst>
                   <a:ext uri="{0D108BD9-81ED-4DB2-BD59-A6C34878D82A}">
-                    <a16:rowId xmlns:a16="http://schemas.microsoft.com/office/drawing/2014/main" val="2630334932"/>
+                    <a16:rowId xmlns:a16="http://schemas.microsoft.com/office/drawing/2014/main" xmlns="" val="2630334932"/>
                   </a:ext>
                 </a:extLst>
               </a:tr>
-              <a:tr h="1148669">
+              <a:tr h="1027579">
                 <a:tc>
                   <a:txBody>
                     <a:bodyPr/>
@@ -10699,18 +10823,7 @@
                           <a:ea typeface="+mn-ea"/>
                           <a:cs typeface="+mn-cs"/>
                         </a:rPr>
-                        <a:t> in Submitted status</a:t>
-                      </a:r>
-                      <a:r>
-                        <a:rPr lang="en-US" sz="1000" kern="1200" dirty="0" smtClean="0">
-                          <a:solidFill>
-                            <a:schemeClr val="dk1"/>
-                          </a:solidFill>
-                          <a:latin typeface="+mn-lt"/>
-                          <a:ea typeface="+mn-ea"/>
-                          <a:cs typeface="+mn-cs"/>
-                        </a:rPr>
-                        <a:t>.</a:t>
+                        <a:t> in Submitted status.</a:t>
                       </a:r>
                       <a:endParaRPr lang="en-US" sz="1000" dirty="0"/>
                     </a:p>
@@ -10719,7 +10832,7 @@
                 </a:tc>
                 <a:extLst>
                   <a:ext uri="{0D108BD9-81ED-4DB2-BD59-A6C34878D82A}">
-                    <a16:rowId xmlns:a16="http://schemas.microsoft.com/office/drawing/2014/main" val="1668435441"/>
+                    <a16:rowId xmlns:a16="http://schemas.microsoft.com/office/drawing/2014/main" xmlns="" val="1668435441"/>
                   </a:ext>
                 </a:extLst>
               </a:tr>
@@ -10731,145 +10844,6 @@
     <p:extLst>
       <p:ext uri="{BB962C8B-B14F-4D97-AF65-F5344CB8AC3E}">
         <p14:creationId xmlns:p14="http://schemas.microsoft.com/office/powerpoint/2010/main" val="977730506"/>
-      </p:ext>
-    </p:extLst>
-  </p:cSld>
-  <p:clrMapOvr>
-    <a:masterClrMapping/>
-  </p:clrMapOvr>
-  <p:timing>
-    <p:tnLst>
-      <p:par>
-        <p:cTn id="1" dur="indefinite" restart="never" nodeType="tmRoot"/>
-      </p:par>
-    </p:tnLst>
-  </p:timing>
-</p:sld>
-</file>
-
-<file path=ppt/slides/slide4.xml><?xml version="1.0" encoding="utf-8"?>
-<p:sld xmlns:a="http://schemas.openxmlformats.org/drawingml/2006/main" xmlns:r="http://schemas.openxmlformats.org/officeDocument/2006/relationships" xmlns:p="http://schemas.openxmlformats.org/presentationml/2006/main">
-  <p:cSld>
-    <p:spTree>
-      <p:nvGrpSpPr>
-        <p:cNvPr id="1" name=""/>
-        <p:cNvGrpSpPr/>
-        <p:nvPr/>
-      </p:nvGrpSpPr>
-      <p:grpSpPr>
-        <a:xfrm>
-          <a:off x="0" y="0"/>
-          <a:ext cx="0" cy="0"/>
-          <a:chOff x="0" y="0"/>
-          <a:chExt cx="0" cy="0"/>
-        </a:xfrm>
-      </p:grpSpPr>
-      <p:sp>
-        <p:nvSpPr>
-          <p:cNvPr id="2" name="Title 1"/>
-          <p:cNvSpPr>
-            <a:spLocks noGrp="1"/>
-          </p:cNvSpPr>
-          <p:nvPr>
-            <p:ph type="title"/>
-          </p:nvPr>
-        </p:nvSpPr>
-        <p:spPr/>
-        <p:txBody>
-          <a:bodyPr/>
-          <a:lstStyle/>
-          <a:p>
-            <a:r>
-              <a:rPr lang="en-US" b="1" dirty="0" smtClean="0">
-                <a:effectLst>
-                  <a:outerShdw blurRad="38100" dist="38100" dir="2700000" algn="tl">
-                    <a:srgbClr val="000000">
-                      <a:alpha val="43137"/>
-                    </a:srgbClr>
-                  </a:outerShdw>
-                </a:effectLst>
-                <a:latin typeface="+mn-lt"/>
-              </a:rPr>
-              <a:t>Possible </a:t>
-            </a:r>
-            <a:r>
-              <a:rPr lang="en-US" b="1" dirty="0">
-                <a:effectLst>
-                  <a:outerShdw blurRad="38100" dist="38100" dir="2700000" algn="tl">
-                    <a:srgbClr val="000000">
-                      <a:alpha val="43137"/>
-                    </a:srgbClr>
-                  </a:outerShdw>
-                </a:effectLst>
-                <a:latin typeface="+mn-lt"/>
-              </a:rPr>
-              <a:t>project timeline</a:t>
-            </a:r>
-            <a:endParaRPr lang="en-US" b="1" dirty="0">
-              <a:effectLst>
-                <a:outerShdw blurRad="38100" dist="38100" dir="2700000" algn="tl">
-                  <a:srgbClr val="000000">
-                    <a:alpha val="43137"/>
-                  </a:srgbClr>
-                </a:outerShdw>
-              </a:effectLst>
-              <a:latin typeface="+mn-lt"/>
-              <a:cs typeface="Arial" panose="020B0604020202020204" pitchFamily="34" charset="0"/>
-            </a:endParaRPr>
-          </a:p>
-        </p:txBody>
-      </p:sp>
-      <p:sp>
-        <p:nvSpPr>
-          <p:cNvPr id="3" name="Content Placeholder 2"/>
-          <p:cNvSpPr>
-            <a:spLocks noGrp="1"/>
-          </p:cNvSpPr>
-          <p:nvPr>
-            <p:ph sz="quarter" idx="11"/>
-          </p:nvPr>
-        </p:nvSpPr>
-        <p:spPr>
-          <a:xfrm>
-            <a:off x="457200" y="1143000"/>
-            <a:ext cx="8165592" cy="4800600"/>
-          </a:xfrm>
-        </p:spPr>
-        <p:txBody>
-          <a:bodyPr/>
-          <a:lstStyle/>
-          <a:p>
-            <a:pPr>
-              <a:lnSpc>
-                <a:spcPct val="150000"/>
-              </a:lnSpc>
-            </a:pPr>
-            <a:r>
-              <a:rPr lang="en-US" sz="1800" dirty="0" smtClean="0">
-                <a:latin typeface="Arial" panose="020B0604020202020204" pitchFamily="34" charset="0"/>
-                <a:cs typeface="Arial" panose="020B0604020202020204" pitchFamily="34" charset="0"/>
-              </a:rPr>
-              <a:t>TBD</a:t>
-            </a:r>
-          </a:p>
-          <a:p>
-            <a:pPr marL="0" indent="0">
-              <a:buNone/>
-            </a:pPr>
-            <a:endParaRPr lang="en-US" dirty="0">
-              <a:latin typeface="Arial" panose="020B0604020202020204" pitchFamily="34" charset="0"/>
-              <a:cs typeface="Arial" panose="020B0604020202020204" pitchFamily="34" charset="0"/>
-            </a:endParaRPr>
-          </a:p>
-          <a:p>
-            <a:endParaRPr lang="en-US" dirty="0"/>
-          </a:p>
-        </p:txBody>
-      </p:sp>
-    </p:spTree>
-    <p:extLst>
-      <p:ext uri="{BB962C8B-B14F-4D97-AF65-F5344CB8AC3E}">
-        <p14:creationId xmlns:p14="http://schemas.microsoft.com/office/powerpoint/2010/main" val="36453457"/>
       </p:ext>
     </p:extLst>
   </p:cSld>

--- a/Requirements/Presentations/GreenSheets Recommendations.pptx
+++ b/Requirements/Presentations/GreenSheets Recommendations.pptx
@@ -346,7 +346,7 @@
               <a:pPr>
                 <a:defRPr/>
               </a:pPr>
-              <a:t>6/7/16</a:t>
+              <a:t>6/8/16</a:t>
             </a:fld>
             <a:endParaRPr lang="en-US" dirty="0"/>
           </a:p>
@@ -1710,7 +1710,7 @@
               <a:pPr>
                 <a:defRPr/>
               </a:pPr>
-              <a:t>June 7, 2016</a:t>
+              <a:t>June 8, 2016</a:t>
             </a:fld>
             <a:endParaRPr lang="en-US" dirty="0"/>
           </a:p>
@@ -4292,7 +4292,7 @@
           <a:p>
             <a:fld id="{9E23832F-A033-A54E-AB4C-FBC3D83AD4AA}" type="datetimeFigureOut">
               <a:rPr lang="en-US" smtClean="0"/>
-              <a:t>6/7/16</a:t>
+              <a:t>6/8/16</a:t>
             </a:fld>
             <a:endParaRPr lang="en-US"/>
           </a:p>
@@ -4462,7 +4462,7 @@
           <a:p>
             <a:fld id="{9E23832F-A033-A54E-AB4C-FBC3D83AD4AA}" type="datetimeFigureOut">
               <a:rPr lang="en-US" smtClean="0"/>
-              <a:t>6/7/16</a:t>
+              <a:t>6/8/16</a:t>
             </a:fld>
             <a:endParaRPr lang="en-US"/>
           </a:p>
@@ -8592,7 +8592,7 @@
             </a:pPr>
             <a:fld id="{63A80243-55C2-1C49-BA61-21AC8F55AA45}" type="datetime4">
               <a:rPr lang="en-US" smtClean="0"/>
-              <a:t>June 7, 2016</a:t>
+              <a:t>June 8, 2016</a:t>
             </a:fld>
             <a:endParaRPr lang="en-US" dirty="0"/>
           </a:p>
@@ -9401,7 +9401,7 @@
         </p:nvSpPr>
         <p:spPr>
           <a:xfrm>
-            <a:off x="481521" y="685800"/>
+            <a:off x="481521" y="762000"/>
             <a:ext cx="8165592" cy="5867400"/>
           </a:xfrm>
         </p:spPr>
@@ -9415,7 +9415,11 @@
             </a:r>
           </a:p>
           <a:p>
-            <a:pPr lvl="2"/>
+            <a:pPr lvl="1">
+              <a:spcAft>
+                <a:spcPts val="600"/>
+              </a:spcAft>
+            </a:pPr>
             <a:r>
               <a:rPr lang="en-US" sz="1600" dirty="0" err="1"/>
               <a:t>Greensheets</a:t>
@@ -9434,7 +9438,11 @@
             </a:r>
           </a:p>
           <a:p>
-            <a:pPr lvl="2"/>
+            <a:pPr lvl="1">
+              <a:spcAft>
+                <a:spcPts val="600"/>
+              </a:spcAft>
+            </a:pPr>
             <a:r>
               <a:rPr lang="en-US" sz="1600" dirty="0" err="1"/>
               <a:t>Greensheets</a:t>
@@ -9445,7 +9453,11 @@
             </a:r>
           </a:p>
           <a:p>
-            <a:pPr lvl="2"/>
+            <a:pPr lvl="1">
+              <a:spcAft>
+                <a:spcPts val="600"/>
+              </a:spcAft>
+            </a:pPr>
             <a:r>
               <a:rPr lang="en-US" sz="1600" dirty="0"/>
               <a:t>Duplicate </a:t>
@@ -9466,7 +9478,11 @@
           <a:p>
             <a:r>
               <a:rPr lang="en-US" sz="1600" b="1" dirty="0" smtClean="0"/>
-              <a:t>Accommodate additional business needs</a:t>
+              <a:t>Accommodate </a:t>
+            </a:r>
+            <a:r>
+              <a:rPr lang="en-US" sz="1600" b="1" dirty="0" smtClean="0"/>
+              <a:t>business needs</a:t>
             </a:r>
             <a:r>
               <a:rPr lang="en-US" sz="1600" dirty="0" smtClean="0"/>
@@ -9474,200 +9490,160 @@
             </a:r>
           </a:p>
           <a:p>
-            <a:pPr marL="0" lvl="3" indent="0" fontAlgn="auto">
-              <a:spcBef>
-                <a:spcPts val="0"/>
-              </a:spcBef>
+            <a:pPr lvl="1"/>
+            <a:r>
+              <a:rPr lang="en-US" sz="1600" dirty="0" smtClean="0"/>
+              <a:t>Tech stack upgrade</a:t>
+            </a:r>
+          </a:p>
+          <a:p>
+            <a:pPr lvl="1"/>
+            <a:r>
+              <a:rPr lang="en-US" sz="1600" dirty="0"/>
+              <a:t>UI modernization and usability</a:t>
+            </a:r>
+            <a:endParaRPr lang="en-US" sz="1600" dirty="0" smtClean="0"/>
+          </a:p>
+          <a:p>
+            <a:pPr lvl="1"/>
+            <a:r>
+              <a:rPr lang="en-US" sz="1600" dirty="0" smtClean="0"/>
+              <a:t>Provide </a:t>
+            </a:r>
+            <a:r>
+              <a:rPr lang="en-US" sz="1600" dirty="0"/>
+              <a:t>reporting capabilities</a:t>
+            </a:r>
+          </a:p>
+          <a:p>
+            <a:pPr lvl="3">
               <a:spcAft>
-                <a:spcPts val="0"/>
+                <a:spcPts val="600"/>
               </a:spcAft>
-              <a:buClrTx/>
-              <a:buNone/>
               <a:defRPr/>
             </a:pPr>
             <a:r>
-              <a:rPr lang="en-US" sz="1600" u="sng" dirty="0"/>
-              <a:t>Previously agreed upon:</a:t>
-            </a:r>
-          </a:p>
-          <a:p>
-            <a:pPr marL="400050" lvl="4" indent="-171450" fontAlgn="auto">
-              <a:spcBef>
-                <a:spcPts val="0"/>
-              </a:spcBef>
-              <a:spcAft>
-                <a:spcPts val="0"/>
-              </a:spcAft>
-              <a:buClrTx/>
+              <a:rPr lang="en-US" sz="1400" dirty="0"/>
+              <a:t>Ad-hoc reports on statistics related to answers to a specific question</a:t>
+            </a:r>
+          </a:p>
+          <a:p>
+            <a:pPr lvl="3">
               <a:defRPr/>
             </a:pPr>
             <a:r>
-              <a:rPr lang="en-US" dirty="0"/>
-              <a:t>Provide reporting capabilities</a:t>
-            </a:r>
-          </a:p>
-          <a:p>
-            <a:pPr lvl="2">
+              <a:rPr lang="en-US" sz="1400" dirty="0"/>
+              <a:t>User-friendly dashboard report to easily access the grants and the underlying </a:t>
+            </a:r>
+            <a:r>
+              <a:rPr lang="en-US" sz="1400" dirty="0" err="1"/>
+              <a:t>greensheets</a:t>
+            </a:r>
+            <a:r>
+              <a:rPr lang="en-US" sz="1400" dirty="0"/>
+              <a:t> and also to help visualize some of the key metrics. </a:t>
+            </a:r>
+            <a:endParaRPr lang="en-US" sz="1400" dirty="0" smtClean="0"/>
+          </a:p>
+          <a:p>
+            <a:pPr lvl="1">
+              <a:spcAft>
+                <a:spcPts val="600"/>
+              </a:spcAft>
               <a:defRPr/>
             </a:pPr>
             <a:r>
-              <a:rPr lang="en-US" sz="1600" dirty="0"/>
-              <a:t>Ad-hoc reports on statistics related to answers to a specific question</a:t>
-            </a:r>
-          </a:p>
-          <a:p>
-            <a:pPr lvl="2">
+              <a:rPr lang="en-US" sz="1600" dirty="0" smtClean="0"/>
+              <a:t>Enhance search capabilities</a:t>
+            </a:r>
+          </a:p>
+          <a:p>
+            <a:pPr lvl="1">
+              <a:spcAft>
+                <a:spcPts val="600"/>
+              </a:spcAft>
               <a:defRPr/>
             </a:pPr>
             <a:r>
-              <a:rPr lang="en-US" sz="1600" dirty="0"/>
-              <a:t>User-friendly dashboard report to easily access the grants and the underlying </a:t>
-            </a:r>
-            <a:r>
-              <a:rPr lang="en-US" sz="1600" dirty="0" err="1"/>
-              <a:t>greensheets</a:t>
-            </a:r>
-            <a:r>
-              <a:rPr lang="en-US" sz="1600" dirty="0"/>
-              <a:t> and also to help visualize some of the key metrics. This is house-keeping” reports, for example ‘how many </a:t>
-            </a:r>
-            <a:r>
-              <a:rPr lang="en-US" sz="1600" dirty="0" err="1"/>
-              <a:t>greensheets</a:t>
-            </a:r>
-            <a:r>
-              <a:rPr lang="en-US" sz="1600" dirty="0"/>
-              <a:t> in Submitted status</a:t>
-            </a:r>
-          </a:p>
-          <a:p>
-            <a:pPr marL="400050" lvl="4" indent="-171450" fontAlgn="auto">
-              <a:spcBef>
-                <a:spcPts val="0"/>
-              </a:spcBef>
+              <a:rPr lang="en-US" sz="1600" dirty="0" smtClean="0"/>
+              <a:t>Enhance security</a:t>
+            </a:r>
+          </a:p>
+          <a:p>
+            <a:pPr lvl="1">
               <a:spcAft>
-                <a:spcPts val="0"/>
+                <a:spcPts val="600"/>
               </a:spcAft>
-              <a:buClrTx/>
               <a:defRPr/>
             </a:pPr>
             <a:r>
-              <a:rPr lang="en-US" dirty="0"/>
-              <a:t>Enhance search capabilities</a:t>
-            </a:r>
-          </a:p>
-          <a:p>
-            <a:pPr marL="400050" lvl="4" indent="-171450" fontAlgn="auto">
-              <a:spcBef>
-                <a:spcPts val="0"/>
-              </a:spcBef>
+              <a:rPr lang="en-US" sz="1600" dirty="0" smtClean="0"/>
+              <a:t>UI </a:t>
+            </a:r>
+            <a:r>
+              <a:rPr lang="en-US" sz="1600" dirty="0"/>
+              <a:t>modernization and </a:t>
+            </a:r>
+            <a:r>
+              <a:rPr lang="en-US" sz="1600" dirty="0" smtClean="0"/>
+              <a:t>usability</a:t>
+            </a:r>
+            <a:endParaRPr lang="en-US" sz="1600" dirty="0"/>
+          </a:p>
+          <a:p>
+            <a:pPr lvl="1">
               <a:spcAft>
-                <a:spcPts val="0"/>
+                <a:spcPts val="600"/>
               </a:spcAft>
-              <a:buClrTx/>
               <a:defRPr/>
             </a:pPr>
             <a:r>
-              <a:rPr lang="en-US" dirty="0"/>
-              <a:t>Enhance security</a:t>
-            </a:r>
-          </a:p>
-          <a:p>
-            <a:pPr marL="400050" lvl="4" indent="-171450" fontAlgn="auto">
-              <a:spcBef>
-                <a:spcPts val="0"/>
-              </a:spcBef>
+              <a:rPr lang="en-US" sz="1600" dirty="0" smtClean="0"/>
+              <a:t>Using </a:t>
+            </a:r>
+            <a:r>
+              <a:rPr lang="en-US" sz="1600" dirty="0"/>
+              <a:t>additional capabilities of Form </a:t>
+            </a:r>
+            <a:r>
+              <a:rPr lang="en-US" sz="1600" dirty="0" smtClean="0"/>
+              <a:t>Builder</a:t>
+            </a:r>
+          </a:p>
+          <a:p>
+            <a:pPr lvl="1">
               <a:spcAft>
-                <a:spcPts val="0"/>
+                <a:spcPts val="600"/>
               </a:spcAft>
-              <a:buClrTx/>
               <a:defRPr/>
             </a:pPr>
             <a:r>
-              <a:rPr lang="en-US" dirty="0"/>
-              <a:t>UI modernization and usability</a:t>
-            </a:r>
-          </a:p>
-          <a:p>
-            <a:pPr marL="400050" lvl="4" indent="-171450" fontAlgn="auto">
-              <a:spcBef>
-                <a:spcPts val="0"/>
-              </a:spcBef>
+              <a:rPr lang="en-US" sz="1600" dirty="0" smtClean="0"/>
+              <a:t>Changes </a:t>
+            </a:r>
+            <a:r>
+              <a:rPr lang="en-US" sz="1600" dirty="0"/>
+              <a:t>to business flow and </a:t>
+            </a:r>
+            <a:r>
+              <a:rPr lang="en-US" sz="1600" dirty="0" smtClean="0"/>
+              <a:t>navigation</a:t>
+            </a:r>
+          </a:p>
+          <a:p>
+            <a:pPr lvl="1">
               <a:spcAft>
-                <a:spcPts val="0"/>
+                <a:spcPts val="600"/>
               </a:spcAft>
-              <a:buClrTx/>
               <a:defRPr/>
             </a:pPr>
-            <a:endParaRPr lang="en-US" dirty="0"/>
-          </a:p>
-          <a:p>
-            <a:pPr marL="228600" lvl="4" indent="0" fontAlgn="auto">
-              <a:spcBef>
-                <a:spcPts val="0"/>
-              </a:spcBef>
-              <a:spcAft>
-                <a:spcPts val="0"/>
-              </a:spcAft>
-              <a:buClrTx/>
-              <a:buNone/>
-              <a:defRPr/>
-            </a:pPr>
-            <a:r>
-              <a:rPr lang="en-US" u="sng" dirty="0" smtClean="0"/>
-              <a:t>New </a:t>
-            </a:r>
-            <a:r>
-              <a:rPr lang="en-US" u="sng" dirty="0"/>
-              <a:t>(questions):</a:t>
-            </a:r>
-          </a:p>
-          <a:p>
-            <a:pPr marL="400050" lvl="4" indent="-171450" fontAlgn="auto">
-              <a:spcBef>
-                <a:spcPts val="0"/>
-              </a:spcBef>
-              <a:spcAft>
-                <a:spcPts val="0"/>
-              </a:spcAft>
-              <a:buClrTx/>
-              <a:defRPr/>
-            </a:pPr>
-            <a:r>
-              <a:rPr lang="en-US" dirty="0"/>
-              <a:t>Using additional capabilities of Form Builder</a:t>
-            </a:r>
-          </a:p>
-          <a:p>
-            <a:pPr marL="400050" lvl="4" indent="-171450" fontAlgn="auto">
-              <a:spcBef>
-                <a:spcPts val="0"/>
-              </a:spcBef>
-              <a:spcAft>
-                <a:spcPts val="0"/>
-              </a:spcAft>
-              <a:buClrTx/>
-              <a:defRPr/>
-            </a:pPr>
-            <a:r>
-              <a:rPr lang="en-US" dirty="0"/>
-              <a:t>Changes to business flow and navigation</a:t>
-            </a:r>
-          </a:p>
-          <a:p>
-            <a:pPr marL="400050" lvl="4" indent="-171450" fontAlgn="auto">
-              <a:spcBef>
-                <a:spcPts val="0"/>
-              </a:spcBef>
-              <a:spcAft>
-                <a:spcPts val="0"/>
-              </a:spcAft>
-              <a:buClrTx/>
-              <a:defRPr/>
-            </a:pPr>
-            <a:r>
-              <a:rPr lang="en-US" dirty="0"/>
-              <a:t>Compliance document retention policy</a:t>
+            <a:r>
+              <a:rPr lang="en-US" sz="1600" dirty="0" smtClean="0"/>
+              <a:t>Compliance </a:t>
+            </a:r>
+            <a:r>
+              <a:rPr lang="en-US" sz="1600" dirty="0"/>
+              <a:t>document retention policy</a:t>
             </a:r>
           </a:p>
           <a:p>
@@ -9812,10 +9788,6 @@
               </a:rPr>
               <a:t>Notes</a:t>
             </a:r>
-            <a:endParaRPr lang="en-US" dirty="0" smtClean="0">
-              <a:latin typeface="Arial" panose="020B0604020202020204" pitchFamily="34" charset="0"/>
-              <a:cs typeface="Arial" panose="020B0604020202020204" pitchFamily="34" charset="0"/>
-            </a:endParaRPr>
           </a:p>
           <a:p>
             <a:r>
@@ -9986,21 +9958,21 @@
                 <a:gridCol w="394335">
                   <a:extLst>
                     <a:ext uri="{9D8B030D-6E8A-4147-A177-3AD203B41FA5}">
-                      <a16:colId xmlns:a16="http://schemas.microsoft.com/office/drawing/2014/main" xmlns="" val="380828174"/>
+                      <a16:colId xmlns="" xmlns:a16="http://schemas.microsoft.com/office/drawing/2014/main" val="380828174"/>
                     </a:ext>
                   </a:extLst>
                 </a:gridCol>
                 <a:gridCol w="1586865">
                   <a:extLst>
                     <a:ext uri="{9D8B030D-6E8A-4147-A177-3AD203B41FA5}">
-                      <a16:colId xmlns:a16="http://schemas.microsoft.com/office/drawing/2014/main" xmlns="" val="1351816480"/>
+                      <a16:colId xmlns="" xmlns:a16="http://schemas.microsoft.com/office/drawing/2014/main" val="1351816480"/>
                     </a:ext>
                   </a:extLst>
                 </a:gridCol>
                 <a:gridCol w="6220968">
                   <a:extLst>
                     <a:ext uri="{9D8B030D-6E8A-4147-A177-3AD203B41FA5}">
-                      <a16:colId xmlns:a16="http://schemas.microsoft.com/office/drawing/2014/main" xmlns="" val="287736014"/>
+                      <a16:colId xmlns="" xmlns:a16="http://schemas.microsoft.com/office/drawing/2014/main" val="287736014"/>
                     </a:ext>
                   </a:extLst>
                 </a:gridCol>
@@ -10050,7 +10022,7 @@
                 </a:tc>
                 <a:extLst>
                   <a:ext uri="{0D108BD9-81ED-4DB2-BD59-A6C34878D82A}">
-                    <a16:rowId xmlns:a16="http://schemas.microsoft.com/office/drawing/2014/main" xmlns="" val="1140275068"/>
+                    <a16:rowId xmlns="" xmlns:a16="http://schemas.microsoft.com/office/drawing/2014/main" val="1140275068"/>
                   </a:ext>
                 </a:extLst>
               </a:tr>
@@ -10153,27 +10125,8 @@
                           <a:ea typeface="+mn-ea"/>
                           <a:cs typeface="+mn-cs"/>
                         </a:rPr>
-                        <a:t>will </a:t>
+                        <a:t>will allow run ad-hoc reports on statistics related to answers to a specific question on demand. </a:t>
                       </a:r>
-                      <a:r>
-                        <a:rPr lang="en-US" sz="1000" kern="1200" dirty="0" smtClean="0">
-                          <a:solidFill>
-                            <a:schemeClr val="dk1"/>
-                          </a:solidFill>
-                          <a:latin typeface="+mn-lt"/>
-                          <a:ea typeface="+mn-ea"/>
-                          <a:cs typeface="+mn-cs"/>
-                        </a:rPr>
-                        <a:t>allow run ad-hoc reports on statistics related to answers to a specific question on demand. </a:t>
-                      </a:r>
-                      <a:endParaRPr lang="en-US" sz="1000" kern="1200" dirty="0" smtClean="0">
-                        <a:solidFill>
-                          <a:schemeClr val="dk1"/>
-                        </a:solidFill>
-                        <a:latin typeface="+mn-lt"/>
-                        <a:ea typeface="+mn-ea"/>
-                        <a:cs typeface="+mn-cs"/>
-                      </a:endParaRPr>
                     </a:p>
                     <a:p>
                       <a:pPr marL="628650" lvl="1" indent="-171450">
@@ -10228,7 +10181,7 @@
                 </a:tc>
                 <a:extLst>
                   <a:ext uri="{0D108BD9-81ED-4DB2-BD59-A6C34878D82A}">
-                    <a16:rowId xmlns:a16="http://schemas.microsoft.com/office/drawing/2014/main" xmlns="" val="968029505"/>
+                    <a16:rowId xmlns="" xmlns:a16="http://schemas.microsoft.com/office/drawing/2014/main" val="968029505"/>
                   </a:ext>
                 </a:extLst>
               </a:tr>
@@ -10534,7 +10487,7 @@
                 </a:tc>
                 <a:extLst>
                   <a:ext uri="{0D108BD9-81ED-4DB2-BD59-A6C34878D82A}">
-                    <a16:rowId xmlns:a16="http://schemas.microsoft.com/office/drawing/2014/main" xmlns="" val="2143253950"/>
+                    <a16:rowId xmlns="" xmlns:a16="http://schemas.microsoft.com/office/drawing/2014/main" val="2143253950"/>
                   </a:ext>
                 </a:extLst>
               </a:tr>
@@ -10585,27 +10538,8 @@
                           <a:ea typeface="+mn-ea"/>
                           <a:cs typeface="+mn-cs"/>
                         </a:rPr>
-                        <a:t>Diversity supplement </a:t>
+                        <a:t>Diversity supplement director</a:t>
                       </a:r>
-                      <a:r>
-                        <a:rPr lang="en-US" sz="1000" kern="1200" dirty="0" smtClean="0">
-                          <a:solidFill>
-                            <a:schemeClr val="dk1"/>
-                          </a:solidFill>
-                          <a:latin typeface="+mn-lt"/>
-                          <a:ea typeface="+mn-ea"/>
-                          <a:cs typeface="+mn-cs"/>
-                        </a:rPr>
-                        <a:t>director</a:t>
-                      </a:r>
-                      <a:endParaRPr lang="en-US" sz="1000" kern="1200" dirty="0" smtClean="0">
-                        <a:solidFill>
-                          <a:schemeClr val="dk1"/>
-                        </a:solidFill>
-                        <a:latin typeface="+mn-lt"/>
-                        <a:ea typeface="+mn-ea"/>
-                        <a:cs typeface="+mn-cs"/>
-                      </a:endParaRPr>
                     </a:p>
                     <a:p>
                       <a:pPr marL="171450" indent="-171450">
@@ -10614,11 +10548,7 @@
                       </a:pPr>
                       <a:r>
                         <a:rPr lang="en-US" sz="1000" dirty="0" smtClean="0"/>
-                        <a:t>Guest </a:t>
-                      </a:r>
-                      <a:r>
-                        <a:rPr lang="en-US" sz="1000" dirty="0" smtClean="0"/>
-                        <a:t>user</a:t>
+                        <a:t>Guest user</a:t>
                       </a:r>
                     </a:p>
                     <a:p>
@@ -10656,18 +10586,7 @@
                           <a:ea typeface="+mn-ea"/>
                           <a:cs typeface="+mn-cs"/>
                         </a:rPr>
-                        <a:t>Possible </a:t>
-                      </a:r>
-                      <a:r>
-                        <a:rPr lang="en-US" sz="1000" kern="1200" dirty="0" smtClean="0">
-                          <a:solidFill>
-                            <a:schemeClr val="dk1"/>
-                          </a:solidFill>
-                          <a:latin typeface="+mn-lt"/>
-                          <a:ea typeface="+mn-ea"/>
-                          <a:cs typeface="+mn-cs"/>
-                        </a:rPr>
-                        <a:t>changes to roles related to promotion/rejection of draft templates</a:t>
+                        <a:t>Possible changes to roles related to promotion/rejection of draft templates</a:t>
                       </a:r>
                       <a:endParaRPr lang="en-US" sz="1000" kern="1200" dirty="0">
                         <a:solidFill>
@@ -10683,7 +10602,7 @@
                 </a:tc>
                 <a:extLst>
                   <a:ext uri="{0D108BD9-81ED-4DB2-BD59-A6C34878D82A}">
-                    <a16:rowId xmlns:a16="http://schemas.microsoft.com/office/drawing/2014/main" xmlns="" val="2630334932"/>
+                    <a16:rowId xmlns="" xmlns:a16="http://schemas.microsoft.com/office/drawing/2014/main" val="2630334932"/>
                   </a:ext>
                 </a:extLst>
               </a:tr>
@@ -10832,7 +10751,7 @@
                 </a:tc>
                 <a:extLst>
                   <a:ext uri="{0D108BD9-81ED-4DB2-BD59-A6C34878D82A}">
-                    <a16:rowId xmlns:a16="http://schemas.microsoft.com/office/drawing/2014/main" xmlns="" val="1668435441"/>
+                    <a16:rowId xmlns="" xmlns:a16="http://schemas.microsoft.com/office/drawing/2014/main" val="1668435441"/>
                   </a:ext>
                 </a:extLst>
               </a:tr>
